--- a/Doc/Interfaces.pptx
+++ b/Doc/Interfaces.pptx
@@ -11,6 +11,8 @@
     <p:sldId id="258" r:id="rId5"/>
     <p:sldId id="260" r:id="rId6"/>
     <p:sldId id="261" r:id="rId7"/>
+    <p:sldId id="262" r:id="rId8"/>
+    <p:sldId id="263" r:id="rId9"/>
   </p:sldIdLst>
   <p:sldSz cx="9144000" cy="6858000" type="screen4x3"/>
   <p:notesSz cx="6858000" cy="9144000"/>
@@ -109,6 +111,22 @@
       </a:defRPr>
     </a:lvl9pPr>
   </p:defaultTextStyle>
+  <p:extLst>
+    <p:ext uri="{EFAFB233-063F-42B5-8137-9DF3F51BA10A}">
+      <p15:sldGuideLst xmlns:p15="http://schemas.microsoft.com/office/powerpoint/2012/main">
+        <p15:guide id="1" orient="horz" pos="2160">
+          <p15:clr>
+            <a:srgbClr val="A4A3A4"/>
+          </p15:clr>
+        </p15:guide>
+        <p15:guide id="2" pos="2880">
+          <p15:clr>
+            <a:srgbClr val="A4A3A4"/>
+          </p15:clr>
+        </p15:guide>
+      </p15:sldGuideLst>
+    </p:ext>
+  </p:extLst>
 </p:presentation>
 </file>
 
@@ -192,9 +210,7 @@
         </p:style>
         <p:txBody>
           <a:bodyPr anchor="ctr"/>
-          <a:lstStyle>
-            <a:extLst/>
-          </a:lstStyle>
+          <a:lstStyle/>
           <a:p>
             <a:pPr algn="ctr" eaLnBrk="1" latinLnBrk="0" hangingPunct="1"/>
             <a:endParaRPr kumimoji="0" lang="en-US"/>
@@ -247,10 +263,9 @@
           </a:lstStyle>
           <a:p>
             <a:r>
-              <a:rPr kumimoji="0" lang="en-US" smtClean="0"/>
+              <a:rPr kumimoji="0" lang="en-US"/>
               <a:t>Click to edit Master title style</a:t>
             </a:r>
-            <a:endParaRPr kumimoji="0" lang="en-US"/>
           </a:p>
         </p:txBody>
       </p:sp>
@@ -309,10 +324,9 @@
           </a:lstStyle>
           <a:p>
             <a:r>
-              <a:rPr kumimoji="0" lang="en-US" smtClean="0"/>
+              <a:rPr kumimoji="0" lang="en-US"/>
               <a:t>Click to edit Master subtitle style</a:t>
             </a:r>
-            <a:endParaRPr kumimoji="0" lang="en-US"/>
           </a:p>
         </p:txBody>
       </p:sp>
@@ -407,9 +421,7 @@
           </p:spPr>
           <p:txBody>
             <a:bodyPr vert="horz" wrap="square" lIns="91440" tIns="45720" rIns="91440" bIns="45720" anchor="t" compatLnSpc="1"/>
-            <a:lstStyle>
-              <a:extLst/>
-            </a:lstStyle>
+            <a:lstStyle/>
             <a:p>
               <a:endParaRPr kumimoji="0" lang="en-US"/>
             </a:p>
@@ -489,9 +501,7 @@
           </p:spPr>
           <p:txBody>
             <a:bodyPr vert="horz" wrap="square" lIns="91440" tIns="45720" rIns="91440" bIns="45720" anchor="t" compatLnSpc="1"/>
-            <a:lstStyle>
-              <a:extLst/>
-            </a:lstStyle>
+            <a:lstStyle/>
             <a:p>
               <a:endParaRPr kumimoji="0" lang="en-US"/>
             </a:p>
@@ -648,9 +658,7 @@
           </p:style>
           <p:txBody>
             <a:bodyPr vert="horz" wrap="square" lIns="91440" tIns="45720" rIns="91440" bIns="45720" anchor="ctr" compatLnSpc="1"/>
-            <a:lstStyle>
-              <a:extLst/>
-            </a:lstStyle>
+            <a:lstStyle/>
             <a:p>
               <a:pPr algn="ctr" eaLnBrk="1" latinLnBrk="0" hangingPunct="1"/>
               <a:endParaRPr kumimoji="0" lang="en-US"/>
@@ -737,7 +745,7 @@
           <a:p>
             <a:fld id="{12B4E3FD-5C6C-4A71-A887-45BBA710B155}" type="datetimeFigureOut">
               <a:rPr lang="en-US" smtClean="0"/>
-              <a:t>10/10/2016</a:t>
+              <a:t>10/13/2016</a:t>
             </a:fld>
             <a:endParaRPr lang="en-US"/>
           </a:p>
@@ -843,15 +851,12 @@
         <p:spPr/>
         <p:txBody>
           <a:bodyPr/>
-          <a:lstStyle>
-            <a:extLst/>
-          </a:lstStyle>
-          <a:p>
-            <a:r>
-              <a:rPr kumimoji="0" lang="en-US" smtClean="0"/>
+          <a:lstStyle/>
+          <a:p>
+            <a:r>
+              <a:rPr kumimoji="0" lang="en-US"/>
               <a:t>Click to edit Master title style</a:t>
             </a:r>
-            <a:endParaRPr kumimoji="0" lang="en-US"/>
           </a:p>
         </p:txBody>
       </p:sp>
@@ -873,41 +878,39 @@
         </p:spPr>
         <p:txBody>
           <a:bodyPr vert="eaVert"/>
-          <a:lstStyle>
-            <a:extLst/>
-          </a:lstStyle>
+          <a:lstStyle/>
           <a:p>
             <a:pPr lvl="0" eaLnBrk="1" latinLnBrk="0" hangingPunct="1"/>
             <a:r>
-              <a:rPr lang="en-US" smtClean="0"/>
+              <a:rPr lang="en-US"/>
               <a:t>Click to edit Master text styles</a:t>
             </a:r>
           </a:p>
           <a:p>
             <a:pPr lvl="1" eaLnBrk="1" latinLnBrk="0" hangingPunct="1"/>
             <a:r>
-              <a:rPr lang="en-US" smtClean="0"/>
+              <a:rPr lang="en-US"/>
               <a:t>Second level</a:t>
             </a:r>
           </a:p>
           <a:p>
             <a:pPr lvl="2" eaLnBrk="1" latinLnBrk="0" hangingPunct="1"/>
             <a:r>
-              <a:rPr lang="en-US" smtClean="0"/>
+              <a:rPr lang="en-US"/>
               <a:t>Third level</a:t>
             </a:r>
           </a:p>
           <a:p>
             <a:pPr lvl="3" eaLnBrk="1" latinLnBrk="0" hangingPunct="1"/>
             <a:r>
-              <a:rPr lang="en-US" smtClean="0"/>
+              <a:rPr lang="en-US"/>
               <a:t>Fourth level</a:t>
             </a:r>
           </a:p>
           <a:p>
             <a:pPr lvl="4" eaLnBrk="1" latinLnBrk="0" hangingPunct="1"/>
             <a:r>
-              <a:rPr lang="en-US" smtClean="0"/>
+              <a:rPr lang="en-US"/>
               <a:t>Fifth level</a:t>
             </a:r>
             <a:endParaRPr kumimoji="0" lang="en-US"/>
@@ -927,13 +930,11 @@
         <p:spPr/>
         <p:txBody>
           <a:bodyPr/>
-          <a:lstStyle>
-            <a:extLst/>
-          </a:lstStyle>
+          <a:lstStyle/>
           <a:p>
             <a:fld id="{12B4E3FD-5C6C-4A71-A887-45BBA710B155}" type="datetimeFigureOut">
               <a:rPr lang="en-US" smtClean="0"/>
-              <a:t>10/10/2016</a:t>
+              <a:t>10/13/2016</a:t>
             </a:fld>
             <a:endParaRPr lang="en-US"/>
           </a:p>
@@ -952,9 +953,7 @@
         <p:spPr/>
         <p:txBody>
           <a:bodyPr/>
-          <a:lstStyle>
-            <a:extLst/>
-          </a:lstStyle>
+          <a:lstStyle/>
           <a:p>
             <a:endParaRPr lang="en-US"/>
           </a:p>
@@ -973,9 +972,7 @@
         <p:spPr/>
         <p:txBody>
           <a:bodyPr/>
-          <a:lstStyle>
-            <a:extLst/>
-          </a:lstStyle>
+          <a:lstStyle/>
           <a:p>
             <a:fld id="{161282D5-B323-43B4-A084-BECCBBC23CD8}" type="slidenum">
               <a:rPr lang="en-US" smtClean="0"/>
@@ -1028,15 +1025,12 @@
         </p:spPr>
         <p:txBody>
           <a:bodyPr vert="eaVert"/>
-          <a:lstStyle>
-            <a:extLst/>
-          </a:lstStyle>
-          <a:p>
-            <a:r>
-              <a:rPr kumimoji="0" lang="en-US" smtClean="0"/>
+          <a:lstStyle/>
+          <a:p>
+            <a:r>
+              <a:rPr kumimoji="0" lang="en-US"/>
               <a:t>Click to edit Master title style</a:t>
             </a:r>
-            <a:endParaRPr kumimoji="0" lang="en-US"/>
           </a:p>
         </p:txBody>
       </p:sp>
@@ -1058,41 +1052,39 @@
         </p:spPr>
         <p:txBody>
           <a:bodyPr vert="eaVert"/>
-          <a:lstStyle>
-            <a:extLst/>
-          </a:lstStyle>
+          <a:lstStyle/>
           <a:p>
             <a:pPr lvl="0" eaLnBrk="1" latinLnBrk="0" hangingPunct="1"/>
             <a:r>
-              <a:rPr lang="en-US" smtClean="0"/>
+              <a:rPr lang="en-US"/>
               <a:t>Click to edit Master text styles</a:t>
             </a:r>
           </a:p>
           <a:p>
             <a:pPr lvl="1" eaLnBrk="1" latinLnBrk="0" hangingPunct="1"/>
             <a:r>
-              <a:rPr lang="en-US" smtClean="0"/>
+              <a:rPr lang="en-US"/>
               <a:t>Second level</a:t>
             </a:r>
           </a:p>
           <a:p>
             <a:pPr lvl="2" eaLnBrk="1" latinLnBrk="0" hangingPunct="1"/>
             <a:r>
-              <a:rPr lang="en-US" smtClean="0"/>
+              <a:rPr lang="en-US"/>
               <a:t>Third level</a:t>
             </a:r>
           </a:p>
           <a:p>
             <a:pPr lvl="3" eaLnBrk="1" latinLnBrk="0" hangingPunct="1"/>
             <a:r>
-              <a:rPr lang="en-US" smtClean="0"/>
+              <a:rPr lang="en-US"/>
               <a:t>Fourth level</a:t>
             </a:r>
           </a:p>
           <a:p>
             <a:pPr lvl="4" eaLnBrk="1" latinLnBrk="0" hangingPunct="1"/>
             <a:r>
-              <a:rPr lang="en-US" smtClean="0"/>
+              <a:rPr lang="en-US"/>
               <a:t>Fifth level</a:t>
             </a:r>
             <a:endParaRPr kumimoji="0" lang="en-US"/>
@@ -1112,13 +1104,11 @@
         <p:spPr/>
         <p:txBody>
           <a:bodyPr/>
-          <a:lstStyle>
-            <a:extLst/>
-          </a:lstStyle>
+          <a:lstStyle/>
           <a:p>
             <a:fld id="{12B4E3FD-5C6C-4A71-A887-45BBA710B155}" type="datetimeFigureOut">
               <a:rPr lang="en-US" smtClean="0"/>
-              <a:t>10/10/2016</a:t>
+              <a:t>10/13/2016</a:t>
             </a:fld>
             <a:endParaRPr lang="en-US"/>
           </a:p>
@@ -1137,9 +1127,7 @@
         <p:spPr/>
         <p:txBody>
           <a:bodyPr/>
-          <a:lstStyle>
-            <a:extLst/>
-          </a:lstStyle>
+          <a:lstStyle/>
           <a:p>
             <a:endParaRPr lang="en-US"/>
           </a:p>
@@ -1158,9 +1146,7 @@
         <p:spPr/>
         <p:txBody>
           <a:bodyPr/>
-          <a:lstStyle>
-            <a:extLst/>
-          </a:lstStyle>
+          <a:lstStyle/>
           <a:p>
             <a:fld id="{161282D5-B323-43B4-A084-BECCBBC23CD8}" type="slidenum">
               <a:rPr lang="en-US" smtClean="0"/>
@@ -1208,41 +1194,39 @@
         <p:spPr/>
         <p:txBody>
           <a:bodyPr/>
-          <a:lstStyle>
-            <a:extLst/>
-          </a:lstStyle>
+          <a:lstStyle/>
           <a:p>
             <a:pPr lvl="0" eaLnBrk="1" latinLnBrk="0" hangingPunct="1"/>
             <a:r>
-              <a:rPr lang="en-US" smtClean="0"/>
+              <a:rPr lang="en-US"/>
               <a:t>Click to edit Master text styles</a:t>
             </a:r>
           </a:p>
           <a:p>
             <a:pPr lvl="1" eaLnBrk="1" latinLnBrk="0" hangingPunct="1"/>
             <a:r>
-              <a:rPr lang="en-US" smtClean="0"/>
+              <a:rPr lang="en-US"/>
               <a:t>Second level</a:t>
             </a:r>
           </a:p>
           <a:p>
             <a:pPr lvl="2" eaLnBrk="1" latinLnBrk="0" hangingPunct="1"/>
             <a:r>
-              <a:rPr lang="en-US" smtClean="0"/>
+              <a:rPr lang="en-US"/>
               <a:t>Third level</a:t>
             </a:r>
           </a:p>
           <a:p>
             <a:pPr lvl="3" eaLnBrk="1" latinLnBrk="0" hangingPunct="1"/>
             <a:r>
-              <a:rPr lang="en-US" smtClean="0"/>
+              <a:rPr lang="en-US"/>
               <a:t>Fourth level</a:t>
             </a:r>
           </a:p>
           <a:p>
             <a:pPr lvl="4" eaLnBrk="1" latinLnBrk="0" hangingPunct="1"/>
             <a:r>
-              <a:rPr lang="en-US" smtClean="0"/>
+              <a:rPr lang="en-US"/>
               <a:t>Fifth level</a:t>
             </a:r>
             <a:endParaRPr kumimoji="0" lang="en-US"/>
@@ -1262,13 +1246,11 @@
         <p:spPr/>
         <p:txBody>
           <a:bodyPr/>
-          <a:lstStyle>
-            <a:extLst/>
-          </a:lstStyle>
+          <a:lstStyle/>
           <a:p>
             <a:fld id="{12B4E3FD-5C6C-4A71-A887-45BBA710B155}" type="datetimeFigureOut">
               <a:rPr lang="en-US" smtClean="0"/>
-              <a:t>10/10/2016</a:t>
+              <a:t>10/13/2016</a:t>
             </a:fld>
             <a:endParaRPr lang="en-US"/>
           </a:p>
@@ -1287,9 +1269,7 @@
         <p:spPr/>
         <p:txBody>
           <a:bodyPr/>
-          <a:lstStyle>
-            <a:extLst/>
-          </a:lstStyle>
+          <a:lstStyle/>
           <a:p>
             <a:endParaRPr lang="en-US"/>
           </a:p>
@@ -1308,9 +1288,7 @@
         <p:spPr/>
         <p:txBody>
           <a:bodyPr/>
-          <a:lstStyle>
-            <a:extLst/>
-          </a:lstStyle>
+          <a:lstStyle/>
           <a:p>
             <a:fld id="{161282D5-B323-43B4-A084-BECCBBC23CD8}" type="slidenum">
               <a:rPr lang="en-US" smtClean="0"/>
@@ -1333,15 +1311,12 @@
         <p:spPr/>
         <p:txBody>
           <a:bodyPr rtlCol="0"/>
-          <a:lstStyle>
-            <a:extLst/>
-          </a:lstStyle>
-          <a:p>
-            <a:r>
-              <a:rPr kumimoji="0" lang="en-US" smtClean="0"/>
+          <a:lstStyle/>
+          <a:p>
+            <a:r>
+              <a:rPr kumimoji="0" lang="en-US"/>
               <a:t>Click to edit Master title style</a:t>
             </a:r>
-            <a:endParaRPr kumimoji="0" lang="en-US"/>
           </a:p>
         </p:txBody>
       </p:sp>
@@ -1419,10 +1394,9 @@
           </a:lstStyle>
           <a:p>
             <a:r>
-              <a:rPr kumimoji="0" lang="en-US" smtClean="0"/>
+              <a:rPr kumimoji="0" lang="en-US"/>
               <a:t>Click to edit Master title style</a:t>
             </a:r>
-            <a:endParaRPr kumimoji="0" lang="en-US"/>
           </a:p>
         </p:txBody>
       </p:sp>
@@ -1498,7 +1472,7 @@
           <a:p>
             <a:pPr lvl="0" eaLnBrk="1" latinLnBrk="0" hangingPunct="1"/>
             <a:r>
-              <a:rPr kumimoji="0" lang="en-US" smtClean="0"/>
+              <a:rPr kumimoji="0" lang="en-US"/>
               <a:t>Click to edit Master text styles</a:t>
             </a:r>
           </a:p>
@@ -1517,13 +1491,11 @@
         <p:spPr/>
         <p:txBody>
           <a:bodyPr/>
-          <a:lstStyle>
-            <a:extLst/>
-          </a:lstStyle>
+          <a:lstStyle/>
           <a:p>
             <a:fld id="{12B4E3FD-5C6C-4A71-A887-45BBA710B155}" type="datetimeFigureOut">
               <a:rPr lang="en-US" smtClean="0"/>
-              <a:t>10/10/2016</a:t>
+              <a:t>10/13/2016</a:t>
             </a:fld>
             <a:endParaRPr lang="en-US"/>
           </a:p>
@@ -1542,9 +1514,7 @@
         <p:spPr/>
         <p:txBody>
           <a:bodyPr/>
-          <a:lstStyle>
-            <a:extLst/>
-          </a:lstStyle>
+          <a:lstStyle/>
           <a:p>
             <a:endParaRPr lang="en-US"/>
           </a:p>
@@ -1563,9 +1533,7 @@
         <p:spPr/>
         <p:txBody>
           <a:bodyPr/>
-          <a:lstStyle>
-            <a:extLst/>
-          </a:lstStyle>
+          <a:lstStyle/>
           <a:p>
             <a:fld id="{161282D5-B323-43B4-A084-BECCBBC23CD8}" type="slidenum">
               <a:rPr lang="en-US" smtClean="0"/>
@@ -1646,9 +1614,7 @@
         </p:style>
         <p:txBody>
           <a:bodyPr anchor="ctr"/>
-          <a:lstStyle>
-            <a:extLst/>
-          </a:lstStyle>
+          <a:lstStyle/>
           <a:p>
             <a:pPr algn="l" eaLnBrk="1" latinLnBrk="0" hangingPunct="1"/>
             <a:endParaRPr kumimoji="0" lang="en-US"/>
@@ -1726,9 +1692,7 @@
         </p:style>
         <p:txBody>
           <a:bodyPr anchor="ctr"/>
-          <a:lstStyle>
-            <a:extLst/>
-          </a:lstStyle>
+          <a:lstStyle/>
           <a:p>
             <a:pPr algn="l" eaLnBrk="1" latinLnBrk="0" hangingPunct="1"/>
             <a:endParaRPr kumimoji="0" lang="en-US"/>
@@ -1804,35 +1768,35 @@
           <a:p>
             <a:pPr lvl="0" eaLnBrk="1" latinLnBrk="0" hangingPunct="1"/>
             <a:r>
-              <a:rPr lang="en-US" smtClean="0"/>
+              <a:rPr lang="en-US"/>
               <a:t>Click to edit Master text styles</a:t>
             </a:r>
           </a:p>
           <a:p>
             <a:pPr lvl="1" eaLnBrk="1" latinLnBrk="0" hangingPunct="1"/>
             <a:r>
-              <a:rPr lang="en-US" smtClean="0"/>
+              <a:rPr lang="en-US"/>
               <a:t>Second level</a:t>
             </a:r>
           </a:p>
           <a:p>
             <a:pPr lvl="2" eaLnBrk="1" latinLnBrk="0" hangingPunct="1"/>
             <a:r>
-              <a:rPr lang="en-US" smtClean="0"/>
+              <a:rPr lang="en-US"/>
               <a:t>Third level</a:t>
             </a:r>
           </a:p>
           <a:p>
             <a:pPr lvl="3" eaLnBrk="1" latinLnBrk="0" hangingPunct="1"/>
             <a:r>
-              <a:rPr lang="en-US" smtClean="0"/>
+              <a:rPr lang="en-US"/>
               <a:t>Fourth level</a:t>
             </a:r>
           </a:p>
           <a:p>
             <a:pPr lvl="4" eaLnBrk="1" latinLnBrk="0" hangingPunct="1"/>
             <a:r>
-              <a:rPr lang="en-US" smtClean="0"/>
+              <a:rPr lang="en-US"/>
               <a:t>Fifth level</a:t>
             </a:r>
             <a:endParaRPr kumimoji="0" lang="en-US"/>
@@ -1878,35 +1842,35 @@
           <a:p>
             <a:pPr lvl="0" eaLnBrk="1" latinLnBrk="0" hangingPunct="1"/>
             <a:r>
-              <a:rPr lang="en-US" smtClean="0"/>
+              <a:rPr lang="en-US"/>
               <a:t>Click to edit Master text styles</a:t>
             </a:r>
           </a:p>
           <a:p>
             <a:pPr lvl="1" eaLnBrk="1" latinLnBrk="0" hangingPunct="1"/>
             <a:r>
-              <a:rPr lang="en-US" smtClean="0"/>
+              <a:rPr lang="en-US"/>
               <a:t>Second level</a:t>
             </a:r>
           </a:p>
           <a:p>
             <a:pPr lvl="2" eaLnBrk="1" latinLnBrk="0" hangingPunct="1"/>
             <a:r>
-              <a:rPr lang="en-US" smtClean="0"/>
+              <a:rPr lang="en-US"/>
               <a:t>Third level</a:t>
             </a:r>
           </a:p>
           <a:p>
             <a:pPr lvl="3" eaLnBrk="1" latinLnBrk="0" hangingPunct="1"/>
             <a:r>
-              <a:rPr lang="en-US" smtClean="0"/>
+              <a:rPr lang="en-US"/>
               <a:t>Fourth level</a:t>
             </a:r>
           </a:p>
           <a:p>
             <a:pPr lvl="4" eaLnBrk="1" latinLnBrk="0" hangingPunct="1"/>
             <a:r>
-              <a:rPr lang="en-US" smtClean="0"/>
+              <a:rPr lang="en-US"/>
               <a:t>Fifth level</a:t>
             </a:r>
             <a:endParaRPr kumimoji="0" lang="en-US"/>
@@ -1926,13 +1890,11 @@
         <p:spPr/>
         <p:txBody>
           <a:bodyPr/>
-          <a:lstStyle>
-            <a:extLst/>
-          </a:lstStyle>
+          <a:lstStyle/>
           <a:p>
             <a:fld id="{12B4E3FD-5C6C-4A71-A887-45BBA710B155}" type="datetimeFigureOut">
               <a:rPr lang="en-US" smtClean="0"/>
-              <a:t>10/10/2016</a:t>
+              <a:t>10/13/2016</a:t>
             </a:fld>
             <a:endParaRPr lang="en-US"/>
           </a:p>
@@ -1951,9 +1913,7 @@
         <p:spPr/>
         <p:txBody>
           <a:bodyPr/>
-          <a:lstStyle>
-            <a:extLst/>
-          </a:lstStyle>
+          <a:lstStyle/>
           <a:p>
             <a:endParaRPr lang="en-US"/>
           </a:p>
@@ -1972,9 +1932,7 @@
         <p:spPr/>
         <p:txBody>
           <a:bodyPr/>
-          <a:lstStyle>
-            <a:extLst/>
-          </a:lstStyle>
+          <a:lstStyle/>
           <a:p>
             <a:fld id="{161282D5-B323-43B4-A084-BECCBBC23CD8}" type="slidenum">
               <a:rPr lang="en-US" smtClean="0"/>
@@ -1997,15 +1955,12 @@
         <p:spPr/>
         <p:txBody>
           <a:bodyPr rtlCol="0"/>
-          <a:lstStyle>
-            <a:extLst/>
-          </a:lstStyle>
-          <a:p>
-            <a:r>
-              <a:rPr kumimoji="0" lang="en-US" smtClean="0"/>
+          <a:lstStyle/>
+          <a:p>
+            <a:r>
+              <a:rPr kumimoji="0" lang="en-US"/>
               <a:t>Click to edit Master title style</a:t>
             </a:r>
-            <a:endParaRPr kumimoji="0" lang="en-US"/>
           </a:p>
         </p:txBody>
       </p:sp>
@@ -2065,10 +2020,9 @@
           </a:lstStyle>
           <a:p>
             <a:r>
-              <a:rPr kumimoji="0" lang="en-US" smtClean="0"/>
+              <a:rPr kumimoji="0" lang="en-US"/>
               <a:t>Click to edit Master title style</a:t>
             </a:r>
-            <a:endParaRPr kumimoji="0" lang="en-US"/>
           </a:p>
         </p:txBody>
       </p:sp>
@@ -2129,7 +2083,7 @@
           <a:p>
             <a:pPr lvl="0" eaLnBrk="1" latinLnBrk="0" hangingPunct="1"/>
             <a:r>
-              <a:rPr kumimoji="0" lang="en-US" smtClean="0"/>
+              <a:rPr kumimoji="0" lang="en-US"/>
               <a:t>Click to edit Master text styles</a:t>
             </a:r>
           </a:p>
@@ -2192,7 +2146,7 @@
           <a:p>
             <a:pPr lvl="0" eaLnBrk="1" latinLnBrk="0" hangingPunct="1"/>
             <a:r>
-              <a:rPr kumimoji="0" lang="en-US" smtClean="0"/>
+              <a:rPr kumimoji="0" lang="en-US"/>
               <a:t>Click to edit Master text styles</a:t>
             </a:r>
           </a:p>
@@ -2242,35 +2196,35 @@
           <a:p>
             <a:pPr lvl="0" eaLnBrk="1" latinLnBrk="0" hangingPunct="1"/>
             <a:r>
-              <a:rPr lang="en-US" smtClean="0"/>
+              <a:rPr lang="en-US"/>
               <a:t>Click to edit Master text styles</a:t>
             </a:r>
           </a:p>
           <a:p>
             <a:pPr lvl="1" eaLnBrk="1" latinLnBrk="0" hangingPunct="1"/>
             <a:r>
-              <a:rPr lang="en-US" smtClean="0"/>
+              <a:rPr lang="en-US"/>
               <a:t>Second level</a:t>
             </a:r>
           </a:p>
           <a:p>
             <a:pPr lvl="2" eaLnBrk="1" latinLnBrk="0" hangingPunct="1"/>
             <a:r>
-              <a:rPr lang="en-US" smtClean="0"/>
+              <a:rPr lang="en-US"/>
               <a:t>Third level</a:t>
             </a:r>
           </a:p>
           <a:p>
             <a:pPr lvl="3" eaLnBrk="1" latinLnBrk="0" hangingPunct="1"/>
             <a:r>
-              <a:rPr lang="en-US" smtClean="0"/>
+              <a:rPr lang="en-US"/>
               <a:t>Fourth level</a:t>
             </a:r>
           </a:p>
           <a:p>
             <a:pPr lvl="4" eaLnBrk="1" latinLnBrk="0" hangingPunct="1"/>
             <a:r>
-              <a:rPr lang="en-US" smtClean="0"/>
+              <a:rPr lang="en-US"/>
               <a:t>Fifth level</a:t>
             </a:r>
             <a:endParaRPr kumimoji="0" lang="en-US"/>
@@ -2324,35 +2278,35 @@
           <a:p>
             <a:pPr lvl="0" eaLnBrk="1" latinLnBrk="0" hangingPunct="1"/>
             <a:r>
-              <a:rPr lang="en-US" smtClean="0"/>
+              <a:rPr lang="en-US"/>
               <a:t>Click to edit Master text styles</a:t>
             </a:r>
           </a:p>
           <a:p>
             <a:pPr lvl="1" eaLnBrk="1" latinLnBrk="0" hangingPunct="1"/>
             <a:r>
-              <a:rPr lang="en-US" smtClean="0"/>
+              <a:rPr lang="en-US"/>
               <a:t>Second level</a:t>
             </a:r>
           </a:p>
           <a:p>
             <a:pPr lvl="2" eaLnBrk="1" latinLnBrk="0" hangingPunct="1"/>
             <a:r>
-              <a:rPr lang="en-US" smtClean="0"/>
+              <a:rPr lang="en-US"/>
               <a:t>Third level</a:t>
             </a:r>
           </a:p>
           <a:p>
             <a:pPr lvl="3" eaLnBrk="1" latinLnBrk="0" hangingPunct="1"/>
             <a:r>
-              <a:rPr lang="en-US" smtClean="0"/>
+              <a:rPr lang="en-US"/>
               <a:t>Fourth level</a:t>
             </a:r>
           </a:p>
           <a:p>
             <a:pPr lvl="4" eaLnBrk="1" latinLnBrk="0" hangingPunct="1"/>
             <a:r>
-              <a:rPr lang="en-US" smtClean="0"/>
+              <a:rPr lang="en-US"/>
               <a:t>Fifth level</a:t>
             </a:r>
             <a:endParaRPr kumimoji="0" lang="en-US"/>
@@ -2372,13 +2326,11 @@
         <p:spPr/>
         <p:txBody>
           <a:bodyPr/>
-          <a:lstStyle>
-            <a:extLst/>
-          </a:lstStyle>
+          <a:lstStyle/>
           <a:p>
             <a:fld id="{12B4E3FD-5C6C-4A71-A887-45BBA710B155}" type="datetimeFigureOut">
               <a:rPr lang="en-US" smtClean="0"/>
-              <a:t>10/10/2016</a:t>
+              <a:t>10/13/2016</a:t>
             </a:fld>
             <a:endParaRPr lang="en-US"/>
           </a:p>
@@ -2397,9 +2349,7 @@
         <p:spPr/>
         <p:txBody>
           <a:bodyPr/>
-          <a:lstStyle>
-            <a:extLst/>
-          </a:lstStyle>
+          <a:lstStyle/>
           <a:p>
             <a:endParaRPr lang="en-US"/>
           </a:p>
@@ -2418,9 +2368,7 @@
         <p:spPr/>
         <p:txBody>
           <a:bodyPr/>
-          <a:lstStyle>
-            <a:extLst/>
-          </a:lstStyle>
+          <a:lstStyle/>
           <a:p>
             <a:fld id="{161282D5-B323-43B4-A084-BECCBBC23CD8}" type="slidenum">
               <a:rPr lang="en-US" smtClean="0"/>
@@ -2473,13 +2421,11 @@
         <p:spPr/>
         <p:txBody>
           <a:bodyPr/>
-          <a:lstStyle>
-            <a:extLst/>
-          </a:lstStyle>
+          <a:lstStyle/>
           <a:p>
             <a:fld id="{12B4E3FD-5C6C-4A71-A887-45BBA710B155}" type="datetimeFigureOut">
               <a:rPr lang="en-US" smtClean="0"/>
-              <a:t>10/10/2016</a:t>
+              <a:t>10/13/2016</a:t>
             </a:fld>
             <a:endParaRPr lang="en-US"/>
           </a:p>
@@ -2498,9 +2444,7 @@
         <p:spPr/>
         <p:txBody>
           <a:bodyPr/>
-          <a:lstStyle>
-            <a:extLst/>
-          </a:lstStyle>
+          <a:lstStyle/>
           <a:p>
             <a:endParaRPr lang="en-US"/>
           </a:p>
@@ -2519,9 +2463,7 @@
         <p:spPr/>
         <p:txBody>
           <a:bodyPr/>
-          <a:lstStyle>
-            <a:extLst/>
-          </a:lstStyle>
+          <a:lstStyle/>
           <a:p>
             <a:fld id="{161282D5-B323-43B4-A084-BECCBBC23CD8}" type="slidenum">
               <a:rPr lang="en-US" smtClean="0"/>
@@ -2544,15 +2486,12 @@
         <p:spPr/>
         <p:txBody>
           <a:bodyPr rtlCol="0"/>
-          <a:lstStyle>
-            <a:extLst/>
-          </a:lstStyle>
-          <a:p>
-            <a:r>
-              <a:rPr kumimoji="0" lang="en-US" smtClean="0"/>
+          <a:lstStyle/>
+          <a:p>
+            <a:r>
+              <a:rPr kumimoji="0" lang="en-US"/>
               <a:t>Click to edit Master title style</a:t>
             </a:r>
-            <a:endParaRPr kumimoji="0" lang="en-US"/>
           </a:p>
         </p:txBody>
       </p:sp>
@@ -2594,13 +2533,11 @@
         <p:spPr/>
         <p:txBody>
           <a:bodyPr/>
-          <a:lstStyle>
-            <a:extLst/>
-          </a:lstStyle>
+          <a:lstStyle/>
           <a:p>
             <a:fld id="{12B4E3FD-5C6C-4A71-A887-45BBA710B155}" type="datetimeFigureOut">
               <a:rPr lang="en-US" smtClean="0"/>
-              <a:t>10/10/2016</a:t>
+              <a:t>10/13/2016</a:t>
             </a:fld>
             <a:endParaRPr lang="en-US"/>
           </a:p>
@@ -2619,9 +2556,7 @@
         <p:spPr/>
         <p:txBody>
           <a:bodyPr/>
-          <a:lstStyle>
-            <a:extLst/>
-          </a:lstStyle>
+          <a:lstStyle/>
           <a:p>
             <a:endParaRPr lang="en-US"/>
           </a:p>
@@ -2640,9 +2575,7 @@
         <p:spPr/>
         <p:txBody>
           <a:bodyPr/>
-          <a:lstStyle>
-            <a:extLst/>
-          </a:lstStyle>
+          <a:lstStyle/>
           <a:p>
             <a:fld id="{161282D5-B323-43B4-A084-BECCBBC23CD8}" type="slidenum">
               <a:rPr lang="en-US" smtClean="0"/>
@@ -2719,10 +2652,9 @@
           </a:lstStyle>
           <a:p>
             <a:r>
-              <a:rPr kumimoji="0" lang="en-US" smtClean="0"/>
+              <a:rPr kumimoji="0" lang="en-US"/>
               <a:t>Click to edit Master title style</a:t>
             </a:r>
-            <a:endParaRPr kumimoji="0" lang="en-US"/>
           </a:p>
         </p:txBody>
       </p:sp>
@@ -2770,7 +2702,7 @@
           <a:p>
             <a:pPr lvl="0" eaLnBrk="1" latinLnBrk="0" hangingPunct="1"/>
             <a:r>
-              <a:rPr kumimoji="0" lang="en-US" smtClean="0"/>
+              <a:rPr kumimoji="0" lang="en-US"/>
               <a:t>Click to edit Master text styles</a:t>
             </a:r>
           </a:p>
@@ -2815,35 +2747,35 @@
           <a:p>
             <a:pPr lvl="0" eaLnBrk="1" latinLnBrk="0" hangingPunct="1"/>
             <a:r>
-              <a:rPr lang="en-US" smtClean="0"/>
+              <a:rPr lang="en-US"/>
               <a:t>Click to edit Master text styles</a:t>
             </a:r>
           </a:p>
           <a:p>
             <a:pPr lvl="1" eaLnBrk="1" latinLnBrk="0" hangingPunct="1"/>
             <a:r>
-              <a:rPr lang="en-US" smtClean="0"/>
+              <a:rPr lang="en-US"/>
               <a:t>Second level</a:t>
             </a:r>
           </a:p>
           <a:p>
             <a:pPr lvl="2" eaLnBrk="1" latinLnBrk="0" hangingPunct="1"/>
             <a:r>
-              <a:rPr lang="en-US" smtClean="0"/>
+              <a:rPr lang="en-US"/>
               <a:t>Third level</a:t>
             </a:r>
           </a:p>
           <a:p>
             <a:pPr lvl="3" eaLnBrk="1" latinLnBrk="0" hangingPunct="1"/>
             <a:r>
-              <a:rPr lang="en-US" smtClean="0"/>
+              <a:rPr lang="en-US"/>
               <a:t>Fourth level</a:t>
             </a:r>
           </a:p>
           <a:p>
             <a:pPr lvl="4" eaLnBrk="1" latinLnBrk="0" hangingPunct="1"/>
             <a:r>
-              <a:rPr lang="en-US" smtClean="0"/>
+              <a:rPr lang="en-US"/>
               <a:t>Fifth level</a:t>
             </a:r>
             <a:endParaRPr kumimoji="0" lang="en-US"/>
@@ -2868,13 +2800,11 @@
         </p:spPr>
         <p:txBody>
           <a:bodyPr/>
-          <a:lstStyle>
-            <a:extLst/>
-          </a:lstStyle>
+          <a:lstStyle/>
           <a:p>
             <a:fld id="{12B4E3FD-5C6C-4A71-A887-45BBA710B155}" type="datetimeFigureOut">
               <a:rPr lang="en-US" smtClean="0"/>
-              <a:t>10/10/2016</a:t>
+              <a:t>10/13/2016</a:t>
             </a:fld>
             <a:endParaRPr lang="en-US"/>
           </a:p>
@@ -2893,9 +2823,7 @@
         <p:spPr/>
         <p:txBody>
           <a:bodyPr/>
-          <a:lstStyle>
-            <a:extLst/>
-          </a:lstStyle>
+          <a:lstStyle/>
           <a:p>
             <a:endParaRPr lang="en-US"/>
           </a:p>
@@ -2914,9 +2842,7 @@
         <p:spPr/>
         <p:txBody>
           <a:bodyPr/>
-          <a:lstStyle>
-            <a:extLst/>
-          </a:lstStyle>
+          <a:lstStyle/>
           <a:p>
             <a:fld id="{161282D5-B323-43B4-A084-BECCBBC23CD8}" type="slidenum">
               <a:rPr lang="en-US" smtClean="0"/>
@@ -2997,7 +2923,7 @@
           <a:p>
             <a:pPr lvl="0" eaLnBrk="1" latinLnBrk="0" hangingPunct="1"/>
             <a:r>
-              <a:rPr kumimoji="0" lang="en-US" smtClean="0"/>
+              <a:rPr kumimoji="0" lang="en-US"/>
               <a:t>Click to edit Master text styles</a:t>
             </a:r>
           </a:p>
@@ -3046,7 +2972,7 @@
           </a:lstStyle>
           <a:p>
             <a:r>
-              <a:rPr kumimoji="0" lang="en-US" smtClean="0"/>
+              <a:rPr kumimoji="0" lang="en-US"/>
               <a:t>Click icon to add picture</a:t>
             </a:r>
             <a:endParaRPr kumimoji="0" lang="en-US" dirty="0"/>
@@ -3079,7 +3005,7 @@
           <a:p>
             <a:fld id="{12B4E3FD-5C6C-4A71-A887-45BBA710B155}" type="datetimeFigureOut">
               <a:rPr lang="en-US" smtClean="0"/>
-              <a:t>10/10/2016</a:t>
+              <a:t>10/13/2016</a:t>
             </a:fld>
             <a:endParaRPr lang="en-US"/>
           </a:p>
@@ -3191,10 +3117,9 @@
           </a:lstStyle>
           <a:p>
             <a:r>
-              <a:rPr kumimoji="0" lang="en-US" smtClean="0"/>
+              <a:rPr kumimoji="0" lang="en-US"/>
               <a:t>Click to edit Master title style</a:t>
             </a:r>
-            <a:endParaRPr kumimoji="0" lang="en-US"/>
           </a:p>
         </p:txBody>
       </p:sp>
@@ -3274,9 +3199,7 @@
         </p:spPr>
         <p:txBody>
           <a:bodyPr vert="horz" wrap="square" lIns="91440" tIns="45720" rIns="91440" bIns="45720" anchor="t" compatLnSpc="1"/>
-          <a:lstStyle>
-            <a:extLst/>
-          </a:lstStyle>
+          <a:lstStyle/>
           <a:p>
             <a:endParaRPr kumimoji="0" lang="en-US"/>
           </a:p>
@@ -3356,9 +3279,7 @@
         </p:spPr>
         <p:txBody>
           <a:bodyPr vert="horz" wrap="square" lIns="91440" tIns="45720" rIns="91440" bIns="45720" anchor="t" compatLnSpc="1"/>
-          <a:lstStyle>
-            <a:extLst/>
-          </a:lstStyle>
+          <a:lstStyle/>
           <a:p>
             <a:endParaRPr kumimoji="0" lang="en-US"/>
           </a:p>
@@ -3466,9 +3387,7 @@
         </p:style>
         <p:txBody>
           <a:bodyPr vert="horz" wrap="square" lIns="91440" tIns="45720" rIns="91440" bIns="45720" anchor="ctr" compatLnSpc="1"/>
-          <a:lstStyle>
-            <a:extLst/>
-          </a:lstStyle>
+          <a:lstStyle/>
           <a:p>
             <a:pPr algn="ctr" eaLnBrk="1" latinLnBrk="0" hangingPunct="1"/>
             <a:endParaRPr kumimoji="0" lang="en-US"/>
@@ -3599,9 +3518,7 @@
         </p:style>
         <p:txBody>
           <a:bodyPr anchor="ctr"/>
-          <a:lstStyle>
-            <a:extLst/>
-          </a:lstStyle>
+          <a:lstStyle/>
           <a:p>
             <a:pPr algn="l" eaLnBrk="1" latinLnBrk="0" hangingPunct="1"/>
             <a:endParaRPr kumimoji="0" lang="en-US"/>
@@ -3679,9 +3596,7 @@
         </p:style>
         <p:txBody>
           <a:bodyPr anchor="ctr"/>
-          <a:lstStyle>
-            <a:extLst/>
-          </a:lstStyle>
+          <a:lstStyle/>
           <a:p>
             <a:pPr algn="l" eaLnBrk="1" latinLnBrk="0" hangingPunct="1"/>
             <a:endParaRPr kumimoji="0" lang="en-US"/>
@@ -3794,9 +3709,7 @@
         </p:spPr>
         <p:txBody>
           <a:bodyPr vert="horz" wrap="square" lIns="91440" tIns="45720" rIns="91440" bIns="45720" anchor="t" compatLnSpc="1"/>
-          <a:lstStyle>
-            <a:extLst/>
-          </a:lstStyle>
+          <a:lstStyle/>
           <a:p>
             <a:endParaRPr kumimoji="0" lang="en-US"/>
           </a:p>
@@ -3876,9 +3789,7 @@
         </p:spPr>
         <p:txBody>
           <a:bodyPr vert="horz" wrap="square" lIns="91440" tIns="45720" rIns="91440" bIns="45720" anchor="t" compatLnSpc="1"/>
-          <a:lstStyle>
-            <a:extLst/>
-          </a:lstStyle>
+          <a:lstStyle/>
           <a:p>
             <a:endParaRPr kumimoji="0" lang="en-US"/>
           </a:p>
@@ -3986,9 +3897,7 @@
         </p:style>
         <p:txBody>
           <a:bodyPr vert="horz" wrap="square" lIns="91440" tIns="45720" rIns="91440" bIns="45720" anchor="ctr" compatLnSpc="1"/>
-          <a:lstStyle>
-            <a:extLst/>
-          </a:lstStyle>
+          <a:lstStyle/>
           <a:p>
             <a:pPr algn="ctr" eaLnBrk="1" latinLnBrk="0" hangingPunct="1"/>
             <a:endParaRPr kumimoji="0" lang="en-US"/>
@@ -4078,15 +3987,12 @@
               <a:bevelT w="25400" h="25400"/>
             </a:sp3d>
           </a:bodyPr>
-          <a:lstStyle>
-            <a:extLst/>
-          </a:lstStyle>
-          <a:p>
-            <a:r>
-              <a:rPr kumimoji="0" lang="en-US" smtClean="0"/>
+          <a:lstStyle/>
+          <a:p>
+            <a:r>
+              <a:rPr kumimoji="0" lang="en-US"/>
               <a:t>Click to edit Master title style</a:t>
             </a:r>
-            <a:endParaRPr kumimoji="0" lang="en-US"/>
           </a:p>
         </p:txBody>
       </p:sp>
@@ -4113,44 +4019,41 @@
           <a:bodyPr vert="horz">
             <a:normAutofit/>
           </a:bodyPr>
-          <a:lstStyle>
-            <a:extLst/>
-          </a:lstStyle>
+          <a:lstStyle/>
           <a:p>
             <a:pPr lvl="0" eaLnBrk="1" latinLnBrk="0" hangingPunct="1"/>
             <a:r>
-              <a:rPr kumimoji="0" lang="en-US" smtClean="0"/>
+              <a:rPr kumimoji="0" lang="en-US"/>
               <a:t>Click to edit Master text styles</a:t>
             </a:r>
           </a:p>
           <a:p>
             <a:pPr lvl="1" eaLnBrk="1" latinLnBrk="0" hangingPunct="1"/>
             <a:r>
-              <a:rPr kumimoji="0" lang="en-US" smtClean="0"/>
+              <a:rPr kumimoji="0" lang="en-US"/>
               <a:t>Second level</a:t>
             </a:r>
           </a:p>
           <a:p>
             <a:pPr lvl="2" eaLnBrk="1" latinLnBrk="0" hangingPunct="1"/>
             <a:r>
-              <a:rPr kumimoji="0" lang="en-US" smtClean="0"/>
+              <a:rPr kumimoji="0" lang="en-US"/>
               <a:t>Third level</a:t>
             </a:r>
           </a:p>
           <a:p>
             <a:pPr lvl="3" eaLnBrk="1" latinLnBrk="0" hangingPunct="1"/>
             <a:r>
-              <a:rPr kumimoji="0" lang="en-US" smtClean="0"/>
+              <a:rPr kumimoji="0" lang="en-US"/>
               <a:t>Fourth level</a:t>
             </a:r>
           </a:p>
           <a:p>
             <a:pPr lvl="4" eaLnBrk="1" latinLnBrk="0" hangingPunct="1"/>
             <a:r>
-              <a:rPr kumimoji="0" lang="en-US" smtClean="0"/>
+              <a:rPr kumimoji="0" lang="en-US"/>
               <a:t>Fifth level</a:t>
             </a:r>
-            <a:endParaRPr kumimoji="0" lang="en-US"/>
           </a:p>
         </p:txBody>
       </p:sp>
@@ -4188,7 +4091,7 @@
           <a:p>
             <a:fld id="{12B4E3FD-5C6C-4A71-A887-45BBA710B155}" type="datetimeFigureOut">
               <a:rPr lang="en-US" smtClean="0"/>
-              <a:t>10/10/2016</a:t>
+              <a:t>10/13/2016</a:t>
             </a:fld>
             <a:endParaRPr lang="en-US"/>
           </a:p>
@@ -4618,10 +4521,9 @@
           <a:lstStyle/>
           <a:p>
             <a:r>
-              <a:rPr lang="en-US" sz="3600" dirty="0" smtClean="0"/>
+              <a:rPr lang="en-US" sz="3600" dirty="0"/>
               <a:t>Interfaces</a:t>
             </a:r>
-            <a:endParaRPr lang="en-US" sz="3600" dirty="0"/>
           </a:p>
         </p:txBody>
       </p:sp>
@@ -4660,7 +4562,7 @@
           <a:p>
             <a:pPr algn="ctr"/>
             <a:r>
-              <a:rPr lang="en-US" dirty="0" err="1" smtClean="0"/>
+              <a:rPr lang="en-US" dirty="0" err="1"/>
               <a:t>IVector</a:t>
             </a:r>
             <a:endParaRPr lang="en-US" dirty="0"/>
@@ -4689,11 +4591,7 @@
             </a:r>
             <a:r>
               <a:rPr lang="en-US" dirty="0"/>
-              <a:t> index</a:t>
-            </a:r>
-            <a:r>
-              <a:rPr lang="en-US" dirty="0" smtClean="0"/>
-              <a:t>)</a:t>
+              <a:t> index)</a:t>
             </a:r>
           </a:p>
           <a:p>
@@ -4712,11 +4610,7 @@
             </a:r>
             <a:r>
               <a:rPr lang="en-US" dirty="0"/>
-              <a:t>() </a:t>
-            </a:r>
-            <a:r>
-              <a:rPr lang="en-US" dirty="0" smtClean="0"/>
-              <a:t> </a:t>
+              <a:t>()  </a:t>
             </a:r>
           </a:p>
         </p:txBody>
@@ -4786,10 +4680,10 @@
           <a:p>
             <a:pPr algn="ctr"/>
             <a:r>
-              <a:rPr lang="en-US" dirty="0" err="1" smtClean="0"/>
+              <a:rPr lang="en-US" dirty="0" err="1"/>
               <a:t>IIntVector</a:t>
             </a:r>
-            <a:endParaRPr lang="en-US" dirty="0" smtClean="0"/>
+            <a:endParaRPr lang="en-US" dirty="0"/>
           </a:p>
           <a:p>
             <a:pPr algn="ctr"/>
@@ -4819,11 +4713,7 @@
             </a:r>
             <a:r>
               <a:rPr lang="en-US" dirty="0"/>
-              <a:t> index)</a:t>
-            </a:r>
-            <a:r>
-              <a:rPr lang="en-US" dirty="0" smtClean="0"/>
-              <a:t>  </a:t>
+              <a:t> index)  </a:t>
             </a:r>
           </a:p>
         </p:txBody>
@@ -4896,14 +4786,14 @@
           <a:p>
             <a:pPr algn="ctr"/>
             <a:r>
-              <a:rPr lang="en-US" dirty="0" err="1" smtClean="0"/>
+              <a:rPr lang="en-US" dirty="0" err="1"/>
               <a:t>IDoubleVector</a:t>
             </a:r>
-            <a:endParaRPr lang="en-US" dirty="0" smtClean="0"/>
+            <a:endParaRPr lang="en-US" dirty="0"/>
           </a:p>
           <a:p>
             <a:pPr algn="ctr"/>
-            <a:endParaRPr lang="en-US" dirty="0" smtClean="0"/>
+            <a:endParaRPr lang="en-US" dirty="0"/>
           </a:p>
           <a:p>
             <a:pPr algn="ctr"/>
@@ -4965,10 +4855,10 @@
           <a:p>
             <a:pPr algn="ctr"/>
             <a:r>
-              <a:rPr lang="en-US" dirty="0" err="1" smtClean="0"/>
+              <a:rPr lang="en-US" dirty="0" err="1"/>
               <a:t>IStringVector</a:t>
             </a:r>
-            <a:endParaRPr lang="en-US" dirty="0" smtClean="0"/>
+            <a:endParaRPr lang="en-US" dirty="0"/>
           </a:p>
           <a:p>
             <a:pPr algn="ctr"/>
@@ -4977,11 +4867,11 @@
           <a:p>
             <a:pPr algn="ctr"/>
             <a:r>
-              <a:rPr lang="en-US" dirty="0" err="1" smtClean="0"/>
+              <a:rPr lang="en-US" dirty="0" err="1"/>
               <a:t>QString</a:t>
             </a:r>
             <a:r>
-              <a:rPr lang="en-US" dirty="0" smtClean="0"/>
+              <a:rPr lang="en-US" dirty="0"/>
               <a:t> </a:t>
             </a:r>
             <a:r>
@@ -4998,11 +4888,7 @@
             </a:r>
             <a:r>
               <a:rPr lang="en-US" dirty="0"/>
-              <a:t> index)</a:t>
-            </a:r>
-            <a:r>
-              <a:rPr lang="en-US" dirty="0" smtClean="0"/>
-              <a:t>  </a:t>
+              <a:t> index)  </a:t>
             </a:r>
           </a:p>
         </p:txBody>
@@ -5042,10 +4928,10 @@
           <a:p>
             <a:pPr algn="ctr"/>
             <a:r>
-              <a:rPr lang="en-US" dirty="0" err="1" smtClean="0"/>
+              <a:rPr lang="en-US" dirty="0" err="1"/>
               <a:t>IDateTime</a:t>
             </a:r>
-            <a:endParaRPr lang="en-US" dirty="0" smtClean="0"/>
+            <a:endParaRPr lang="en-US" dirty="0"/>
           </a:p>
           <a:p>
             <a:pPr algn="ctr"/>
@@ -5054,11 +4940,11 @@
           <a:p>
             <a:pPr algn="ctr"/>
             <a:r>
-              <a:rPr lang="en-US" dirty="0" err="1" smtClean="0"/>
+              <a:rPr lang="en-US" dirty="0" err="1"/>
               <a:t>QDateTime</a:t>
             </a:r>
             <a:r>
-              <a:rPr lang="en-US" dirty="0" smtClean="0"/>
+              <a:rPr lang="en-US" dirty="0"/>
               <a:t> </a:t>
             </a:r>
             <a:r>
@@ -5075,11 +4961,7 @@
             </a:r>
             <a:r>
               <a:rPr lang="en-US" dirty="0"/>
-              <a:t> index)</a:t>
-            </a:r>
-            <a:r>
-              <a:rPr lang="en-US" dirty="0" smtClean="0"/>
-              <a:t>  </a:t>
+              <a:t> index)  </a:t>
             </a:r>
           </a:p>
         </p:txBody>
@@ -5365,10 +5247,9 @@
           <a:lstStyle/>
           <a:p>
             <a:r>
-              <a:rPr lang="en-US" dirty="0" smtClean="0"/>
+              <a:rPr lang="en-US" dirty="0"/>
               <a:t>Interfaces</a:t>
             </a:r>
-            <a:endParaRPr lang="en-US" dirty="0"/>
           </a:p>
         </p:txBody>
       </p:sp>
@@ -5407,46 +5288,46 @@
           <a:p>
             <a:pPr algn="ctr"/>
             <a:r>
-              <a:rPr lang="en-US" dirty="0" err="1" smtClean="0"/>
+              <a:rPr lang="en-US" dirty="0" err="1"/>
               <a:t>IFieldData</a:t>
             </a:r>
-            <a:endParaRPr lang="en-US" dirty="0" smtClean="0"/>
+            <a:endParaRPr lang="en-US" dirty="0"/>
           </a:p>
           <a:p>
             <a:pPr algn="ctr"/>
-            <a:endParaRPr lang="en-US" dirty="0" smtClean="0"/>
+            <a:endParaRPr lang="en-US" dirty="0"/>
           </a:p>
           <a:p>
             <a:pPr algn="ctr"/>
             <a:r>
-              <a:rPr lang="en-US" dirty="0" err="1" smtClean="0"/>
+              <a:rPr lang="en-US" dirty="0" err="1"/>
               <a:t>Int</a:t>
             </a:r>
             <a:r>
-              <a:rPr lang="en-US" dirty="0" smtClean="0"/>
+              <a:rPr lang="en-US" dirty="0"/>
               <a:t> </a:t>
             </a:r>
             <a:r>
-              <a:rPr lang="en-US" dirty="0" err="1" smtClean="0"/>
+              <a:rPr lang="en-US" dirty="0" err="1"/>
               <a:t>GetCount</a:t>
             </a:r>
             <a:r>
-              <a:rPr lang="en-US" dirty="0" smtClean="0"/>
+              <a:rPr lang="en-US" dirty="0"/>
               <a:t>()</a:t>
             </a:r>
           </a:p>
           <a:p>
             <a:pPr algn="ctr"/>
             <a:r>
-              <a:rPr lang="en-US" dirty="0" smtClean="0"/>
+              <a:rPr lang="en-US" dirty="0"/>
               <a:t>Field </a:t>
             </a:r>
             <a:r>
-              <a:rPr lang="en-US" dirty="0" err="1" smtClean="0"/>
+              <a:rPr lang="en-US" dirty="0" err="1"/>
               <a:t>GetField</a:t>
             </a:r>
             <a:r>
-              <a:rPr lang="en-US" dirty="0" smtClean="0"/>
+              <a:rPr lang="en-US" dirty="0"/>
               <a:t>()</a:t>
             </a:r>
           </a:p>
@@ -5465,7 +5346,7 @@
               <a:t>GetIntData</a:t>
             </a:r>
             <a:r>
-              <a:rPr lang="en-US" dirty="0" smtClean="0"/>
+              <a:rPr lang="en-US" dirty="0"/>
               <a:t>()</a:t>
             </a:r>
           </a:p>
@@ -5484,7 +5365,7 @@
               <a:t>GetDoubleData</a:t>
             </a:r>
             <a:r>
-              <a:rPr lang="en-US" dirty="0" smtClean="0"/>
+              <a:rPr lang="en-US" dirty="0"/>
               <a:t>()</a:t>
             </a:r>
           </a:p>
@@ -5503,7 +5384,7 @@
               <a:t>GetStringData</a:t>
             </a:r>
             <a:r>
-              <a:rPr lang="en-US" dirty="0" smtClean="0"/>
+              <a:rPr lang="en-US" dirty="0"/>
               <a:t>()</a:t>
             </a:r>
           </a:p>
@@ -5525,11 +5406,10 @@
               <a:rPr lang="en-US" dirty="0"/>
               <a:t>()</a:t>
             </a:r>
-            <a:endParaRPr lang="en-US" dirty="0" smtClean="0"/>
           </a:p>
           <a:p>
             <a:pPr algn="ctr"/>
-            <a:endParaRPr lang="en-US" dirty="0" smtClean="0"/>
+            <a:endParaRPr lang="en-US" dirty="0"/>
           </a:p>
         </p:txBody>
       </p:sp>
@@ -5598,18 +5478,18 @@
           <a:p>
             <a:pPr algn="ctr"/>
             <a:r>
-              <a:rPr lang="en-US" dirty="0" err="1" smtClean="0"/>
+              <a:rPr lang="en-US" dirty="0" err="1"/>
               <a:t>IFieldCollection</a:t>
             </a:r>
-            <a:endParaRPr lang="en-US" dirty="0" smtClean="0"/>
+            <a:endParaRPr lang="en-US" dirty="0"/>
           </a:p>
           <a:p>
             <a:pPr algn="ctr"/>
-            <a:endParaRPr lang="en-US" dirty="0" smtClean="0"/>
+            <a:endParaRPr lang="en-US" dirty="0"/>
           </a:p>
           <a:p>
             <a:pPr algn="ctr"/>
-            <a:endParaRPr lang="en-US" dirty="0" smtClean="0"/>
+            <a:endParaRPr lang="en-US" dirty="0"/>
           </a:p>
           <a:p>
             <a:pPr algn="ctr"/>
@@ -5634,7 +5514,7 @@
               <a:t>field</a:t>
             </a:r>
             <a:r>
-              <a:rPr lang="en-US" dirty="0" smtClean="0"/>
+              <a:rPr lang="en-US" dirty="0"/>
               <a:t>)</a:t>
             </a:r>
           </a:p>
@@ -5654,75 +5534,66 @@
             </a:r>
             <a:r>
               <a:rPr lang="en-US" dirty="0"/>
+              <a:t> ()</a:t>
+            </a:r>
+          </a:p>
+          <a:p>
+            <a:pPr algn="ctr"/>
+            <a:r>
+              <a:rPr lang="en-US" dirty="0"/>
+              <a:t>Field </a:t>
+            </a:r>
+            <a:r>
+              <a:rPr lang="en-US" dirty="0" err="1"/>
+              <a:t>GetField</a:t>
+            </a:r>
+            <a:r>
+              <a:rPr lang="en-US" dirty="0"/>
+              <a:t>(</a:t>
+            </a:r>
+            <a:r>
+              <a:rPr lang="en-US" dirty="0" err="1"/>
+              <a:t>int</a:t>
+            </a:r>
+            <a:r>
+              <a:rPr lang="en-US" dirty="0"/>
+              <a:t> index)</a:t>
+            </a:r>
+          </a:p>
+          <a:p>
+            <a:pPr algn="ctr"/>
+            <a:r>
+              <a:rPr lang="en-US" dirty="0" err="1"/>
+              <a:t>int</a:t>
+            </a:r>
+            <a:r>
+              <a:rPr lang="en-US" dirty="0"/>
               <a:t> </a:t>
             </a:r>
             <a:r>
-              <a:rPr lang="en-US" dirty="0" smtClean="0"/>
-              <a:t>()</a:t>
+              <a:rPr lang="en-US" dirty="0" err="1"/>
+              <a:t>GetFieldIndex</a:t>
+            </a:r>
+            <a:r>
+              <a:rPr lang="en-US" dirty="0"/>
+              <a:t>(Field </a:t>
+            </a:r>
+            <a:r>
+              <a:rPr lang="en-US" dirty="0" err="1"/>
+              <a:t>field</a:t>
+            </a:r>
+            <a:r>
+              <a:rPr lang="en-US" dirty="0"/>
+              <a:t>)</a:t>
             </a:r>
           </a:p>
           <a:p>
             <a:pPr algn="ctr"/>
-            <a:r>
-              <a:rPr lang="en-US" dirty="0"/>
-              <a:t>Field </a:t>
-            </a:r>
-            <a:r>
-              <a:rPr lang="en-US" dirty="0" err="1"/>
-              <a:t>GetField</a:t>
-            </a:r>
-            <a:r>
-              <a:rPr lang="en-US" dirty="0"/>
-              <a:t>(</a:t>
-            </a:r>
-            <a:r>
-              <a:rPr lang="en-US" dirty="0" err="1"/>
-              <a:t>int</a:t>
-            </a:r>
-            <a:r>
-              <a:rPr lang="en-US" dirty="0"/>
-              <a:t> index</a:t>
-            </a:r>
-            <a:r>
-              <a:rPr lang="en-US" dirty="0" smtClean="0"/>
-              <a:t>)</a:t>
-            </a:r>
+            <a:endParaRPr lang="en-US" dirty="0"/>
           </a:p>
           <a:p>
             <a:pPr algn="ctr"/>
-            <a:r>
-              <a:rPr lang="en-US" dirty="0" err="1"/>
-              <a:t>int</a:t>
-            </a:r>
-            <a:r>
-              <a:rPr lang="en-US" dirty="0"/>
-              <a:t> </a:t>
-            </a:r>
-            <a:r>
-              <a:rPr lang="en-US" dirty="0" err="1"/>
-              <a:t>GetFieldIndex</a:t>
-            </a:r>
-            <a:r>
-              <a:rPr lang="en-US" dirty="0"/>
-              <a:t>(Field </a:t>
-            </a:r>
-            <a:r>
-              <a:rPr lang="en-US" dirty="0" err="1"/>
-              <a:t>field</a:t>
-            </a:r>
-            <a:r>
-              <a:rPr lang="en-US" dirty="0"/>
-              <a:t>)</a:t>
-            </a:r>
-            <a:endParaRPr lang="en-US" dirty="0" smtClean="0"/>
-          </a:p>
-          <a:p>
-            <a:pPr algn="ctr"/>
-            <a:endParaRPr lang="en-US" dirty="0" smtClean="0"/>
-          </a:p>
-          <a:p>
-            <a:pPr algn="ctr"/>
-            <a:endParaRPr lang="en-US" dirty="0" smtClean="0"/>
+            <a:endParaRPr lang="en-US" dirty="0"/>
           </a:p>
         </p:txBody>
       </p:sp>
@@ -5797,10 +5668,9 @@
           <a:lstStyle/>
           <a:p>
             <a:r>
-              <a:rPr lang="en-US" dirty="0" smtClean="0"/>
+              <a:rPr lang="en-US" dirty="0"/>
               <a:t>Interfaces</a:t>
             </a:r>
-            <a:endParaRPr lang="en-US" dirty="0"/>
           </a:p>
         </p:txBody>
       </p:sp>
@@ -5839,14 +5709,14 @@
           <a:p>
             <a:pPr algn="ctr"/>
             <a:r>
-              <a:rPr lang="en-US" dirty="0" err="1" smtClean="0"/>
+              <a:rPr lang="en-US" dirty="0" err="1"/>
               <a:t>IDataDirectory</a:t>
             </a:r>
-            <a:endParaRPr lang="en-US" dirty="0" smtClean="0"/>
+            <a:endParaRPr lang="en-US" dirty="0"/>
           </a:p>
           <a:p>
             <a:pPr algn="ctr"/>
-            <a:endParaRPr lang="en-US" dirty="0" smtClean="0"/>
+            <a:endParaRPr lang="en-US" dirty="0"/>
           </a:p>
           <a:p>
             <a:pPr algn="ctr"/>
@@ -5863,7 +5733,7 @@
               <a:t>getFields</a:t>
             </a:r>
             <a:r>
-              <a:rPr lang="en-US" dirty="0" smtClean="0"/>
+              <a:rPr lang="en-US" dirty="0"/>
               <a:t>()</a:t>
             </a:r>
           </a:p>
@@ -5885,7 +5755,6 @@
               <a:rPr lang="en-US" dirty="0"/>
               <a:t>()</a:t>
             </a:r>
-            <a:endParaRPr lang="en-US" dirty="0" smtClean="0"/>
           </a:p>
         </p:txBody>
       </p:sp>
@@ -5954,14 +5823,14 @@
           <a:p>
             <a:pPr algn="ctr"/>
             <a:r>
-              <a:rPr lang="en-US" dirty="0" err="1" smtClean="0"/>
+              <a:rPr lang="en-US" dirty="0" err="1"/>
               <a:t>IDataProvider</a:t>
             </a:r>
             <a:endParaRPr lang="en-US" dirty="0"/>
           </a:p>
           <a:p>
             <a:pPr algn="ctr"/>
-            <a:endParaRPr lang="en-US" dirty="0" smtClean="0"/>
+            <a:endParaRPr lang="en-US" dirty="0"/>
           </a:p>
           <a:p>
             <a:pPr algn="ctr"/>
@@ -5983,60 +5852,51 @@
             </a:r>
             <a:r>
               <a:rPr lang="en-US" dirty="0"/>
+              <a:t> const&amp; </a:t>
+            </a:r>
+            <a:r>
+              <a:rPr lang="en-US" dirty="0" err="1"/>
+              <a:t>oSelection</a:t>
+            </a:r>
+            <a:r>
+              <a:rPr lang="en-US" dirty="0"/>
+              <a:t>)</a:t>
+            </a:r>
+          </a:p>
+          <a:p>
+            <a:pPr algn="ctr"/>
+            <a:r>
+              <a:rPr lang="en-US" dirty="0" err="1"/>
+              <a:t>IFieldCollectionPtr</a:t>
+            </a:r>
+            <a:r>
+              <a:rPr lang="en-US" dirty="0"/>
               <a:t> </a:t>
             </a:r>
             <a:r>
-              <a:rPr lang="en-US" dirty="0" smtClean="0"/>
-              <a:t>const</a:t>
-            </a:r>
-            <a:r>
-              <a:rPr lang="en-US" dirty="0"/>
-              <a:t>&amp; </a:t>
-            </a:r>
-            <a:r>
-              <a:rPr lang="en-US" dirty="0" err="1"/>
-              <a:t>oSelection</a:t>
-            </a:r>
-            <a:r>
-              <a:rPr lang="en-US" dirty="0" smtClean="0"/>
+              <a:rPr lang="en-US" dirty="0" err="1"/>
+              <a:t>GetData</a:t>
+            </a:r>
+            <a:r>
+              <a:rPr lang="en-US" dirty="0"/>
+              <a:t>(</a:t>
+            </a:r>
+            <a:r>
+              <a:rPr lang="en-US" dirty="0" err="1"/>
+              <a:t>FieldList</a:t>
+            </a:r>
+            <a:r>
+              <a:rPr lang="en-US" dirty="0"/>
+              <a:t> const&amp; </a:t>
+            </a:r>
+            <a:r>
+              <a:rPr lang="en-US" dirty="0" err="1"/>
+              <a:t>lstField</a:t>
+            </a:r>
+            <a:r>
+              <a:rPr lang="en-US" dirty="0"/>
               <a:t>)</a:t>
             </a:r>
-          </a:p>
-          <a:p>
-            <a:pPr algn="ctr"/>
-            <a:r>
-              <a:rPr lang="en-US" dirty="0" err="1"/>
-              <a:t>IFieldCollectionPtr</a:t>
-            </a:r>
-            <a:r>
-              <a:rPr lang="en-US" dirty="0"/>
-              <a:t> </a:t>
-            </a:r>
-            <a:r>
-              <a:rPr lang="en-US" dirty="0" err="1"/>
-              <a:t>GetData</a:t>
-            </a:r>
-            <a:r>
-              <a:rPr lang="en-US" dirty="0"/>
-              <a:t>(</a:t>
-            </a:r>
-            <a:r>
-              <a:rPr lang="en-US" dirty="0" err="1"/>
-              <a:t>FieldList</a:t>
-            </a:r>
-            <a:r>
-              <a:rPr lang="en-US" dirty="0"/>
-              <a:t> const&amp; </a:t>
-            </a:r>
-            <a:r>
-              <a:rPr lang="en-US" dirty="0" err="1"/>
-              <a:t>lstField</a:t>
-            </a:r>
-            <a:r>
-              <a:rPr lang="en-US" dirty="0"/>
-              <a:t>)</a:t>
-            </a:r>
-            <a:endParaRPr lang="en-US" dirty="0" smtClean="0"/>
           </a:p>
         </p:txBody>
       </p:sp>
@@ -6111,10 +5971,9 @@
           <a:lstStyle/>
           <a:p>
             <a:r>
-              <a:rPr lang="en-US" dirty="0" smtClean="0"/>
+              <a:rPr lang="en-US" dirty="0"/>
               <a:t>Interfaces</a:t>
             </a:r>
-            <a:endParaRPr lang="en-US" dirty="0"/>
           </a:p>
         </p:txBody>
       </p:sp>
@@ -6156,16 +6015,16 @@
               <a:rPr lang="en-US" dirty="0" err="1"/>
               <a:t>IAnalyser</a:t>
             </a:r>
-            <a:endParaRPr lang="en-US" dirty="0" smtClean="0"/>
+            <a:endParaRPr lang="en-US" dirty="0"/>
           </a:p>
           <a:p>
             <a:pPr algn="ctr"/>
-            <a:endParaRPr lang="en-US" dirty="0" smtClean="0"/>
+            <a:endParaRPr lang="en-US" dirty="0"/>
           </a:p>
           <a:p>
             <a:pPr algn="ctr"/>
             <a:r>
-              <a:rPr lang="en-US" dirty="0" smtClean="0"/>
+              <a:rPr lang="en-US" dirty="0"/>
               <a:t>void </a:t>
             </a:r>
             <a:r>
@@ -6176,7 +6035,6 @@
               <a:rPr lang="en-US" dirty="0"/>
               <a:t>(const Configuration &amp;) </a:t>
             </a:r>
-            <a:endParaRPr lang="en-US" dirty="0" smtClean="0"/>
           </a:p>
           <a:p>
             <a:pPr algn="ctr"/>
@@ -6198,11 +6056,7 @@
             </a:r>
             <a:r>
               <a:rPr lang="en-US" dirty="0"/>
-              <a:t> </a:t>
-            </a:r>
-            <a:r>
-              <a:rPr lang="en-US" dirty="0" smtClean="0"/>
-              <a:t>&amp;)</a:t>
+              <a:t> &amp;)</a:t>
             </a:r>
           </a:p>
           <a:p>
@@ -6220,10 +6074,9 @@
               <a:t>getView</a:t>
             </a:r>
             <a:r>
-              <a:rPr lang="en-US" dirty="0" smtClean="0"/>
+              <a:rPr lang="en-US" dirty="0"/>
               <a:t>()</a:t>
             </a:r>
-            <a:endParaRPr lang="en-US" dirty="0"/>
           </a:p>
           <a:p>
             <a:pPr algn="ctr"/>
@@ -6231,7 +6084,6 @@
               <a:rPr lang="en-US" dirty="0"/>
               <a:t>void run()</a:t>
             </a:r>
-            <a:endParaRPr lang="en-US" dirty="0" smtClean="0"/>
           </a:p>
         </p:txBody>
       </p:sp>
@@ -6308,10 +6160,9 @@
           <a:lstStyle/>
           <a:p>
             <a:r>
-              <a:rPr lang="en-US" dirty="0" smtClean="0"/>
+              <a:rPr lang="en-US" dirty="0"/>
               <a:t>Classes</a:t>
             </a:r>
-            <a:endParaRPr lang="en-US" dirty="0"/>
           </a:p>
         </p:txBody>
       </p:sp>
@@ -6350,10 +6201,10 @@
           <a:p>
             <a:pPr algn="ctr"/>
             <a:r>
-              <a:rPr lang="en-US" dirty="0" err="1" smtClean="0"/>
+              <a:rPr lang="en-US" dirty="0" err="1"/>
               <a:t>Cselection</a:t>
             </a:r>
-            <a:endParaRPr lang="en-US" dirty="0" smtClean="0"/>
+            <a:endParaRPr lang="en-US" dirty="0"/>
           </a:p>
           <a:p>
             <a:pPr algn="ctr"/>
@@ -6362,11 +6213,11 @@
           <a:p>
             <a:pPr algn="ctr"/>
             <a:r>
-              <a:rPr lang="en-US" dirty="0" err="1" smtClean="0"/>
+              <a:rPr lang="en-US" dirty="0" err="1"/>
               <a:t>struct</a:t>
             </a:r>
             <a:r>
-              <a:rPr lang="en-US" dirty="0" smtClean="0"/>
+              <a:rPr lang="en-US" dirty="0"/>
               <a:t> </a:t>
             </a:r>
             <a:r>
@@ -6377,71 +6228,61 @@
               <a:rPr lang="en-US" dirty="0"/>
               <a:t> </a:t>
             </a:r>
-            <a:endParaRPr lang="en-US" dirty="0" smtClean="0"/>
           </a:p>
           <a:p>
             <a:pPr algn="ctr"/>
             <a:r>
-              <a:rPr lang="en-US" dirty="0" smtClean="0"/>
+              <a:rPr lang="en-US" dirty="0"/>
+              <a:t> 	{  </a:t>
+            </a:r>
+            <a:r>
+              <a:rPr lang="en-US" dirty="0" err="1"/>
+              <a:t>ESelectionPatten</a:t>
+            </a:r>
+            <a:r>
+              <a:rPr lang="en-US" dirty="0"/>
               <a:t> </a:t>
             </a:r>
             <a:r>
+              <a:rPr lang="en-US" dirty="0" err="1"/>
+              <a:t>eSelectionType</a:t>
+            </a:r>
+            <a:r>
+              <a:rPr lang="en-US" dirty="0"/>
+              <a:t>;	</a:t>
+            </a:r>
+            <a:r>
+              <a:rPr lang="en-US" dirty="0" err="1"/>
+              <a:t>QString</a:t>
+            </a:r>
+            <a:r>
+              <a:rPr lang="en-US" dirty="0"/>
+              <a:t> </a:t>
+            </a:r>
+            <a:r>
+              <a:rPr lang="en-US" dirty="0" err="1"/>
+              <a:t>sPattern</a:t>
+            </a:r>
+            <a:r>
+              <a:rPr lang="en-US" dirty="0"/>
+              <a:t>; </a:t>
+            </a:r>
+          </a:p>
+          <a:p>
+            <a:pPr algn="ctr"/>
+            <a:r>
               <a:rPr lang="en-US" dirty="0"/>
               <a:t>	</a:t>
             </a:r>
             <a:r>
-              <a:rPr lang="en-US" dirty="0" smtClean="0"/>
-              <a:t>{  </a:t>
-            </a:r>
-            <a:r>
-              <a:rPr lang="en-US" dirty="0" err="1" smtClean="0"/>
-              <a:t>ESelectionPatten</a:t>
-            </a:r>
-            <a:r>
-              <a:rPr lang="en-US" dirty="0" smtClean="0"/>
+              <a:rPr lang="en-US" dirty="0" err="1"/>
+              <a:t>QVariantList</a:t>
+            </a:r>
+            <a:r>
+              <a:rPr lang="en-US" dirty="0"/>
               <a:t> </a:t>
             </a:r>
             <a:r>
-              <a:rPr lang="en-US" dirty="0" err="1" smtClean="0"/>
-              <a:t>eSelectionType</a:t>
-            </a:r>
-            <a:r>
-              <a:rPr lang="en-US" dirty="0" smtClean="0"/>
-              <a:t>;	</a:t>
-            </a:r>
-            <a:r>
-              <a:rPr lang="en-US" dirty="0" err="1" smtClean="0"/>
-              <a:t>QString</a:t>
-            </a:r>
-            <a:r>
-              <a:rPr lang="en-US" dirty="0" smtClean="0"/>
-              <a:t> </a:t>
-            </a:r>
-            <a:r>
-              <a:rPr lang="en-US" dirty="0" err="1"/>
-              <a:t>sPattern</a:t>
-            </a:r>
-            <a:r>
-              <a:rPr lang="en-US" dirty="0"/>
-              <a:t>; </a:t>
-            </a:r>
-            <a:endParaRPr lang="en-US" dirty="0" smtClean="0"/>
-          </a:p>
-          <a:p>
-            <a:pPr algn="ctr"/>
-            <a:r>
-              <a:rPr lang="en-US" dirty="0"/>
-              <a:t>	</a:t>
-            </a:r>
-            <a:r>
-              <a:rPr lang="en-US" dirty="0" err="1" smtClean="0"/>
-              <a:t>QVariantList</a:t>
-            </a:r>
-            <a:r>
-              <a:rPr lang="en-US" dirty="0" smtClean="0"/>
-              <a:t> </a:t>
-            </a:r>
-            <a:r>
               <a:rPr lang="en-US" dirty="0" err="1"/>
               <a:t>arrSelectedValues</a:t>
             </a:r>
@@ -6449,7 +6290,6 @@
               <a:rPr lang="en-US" dirty="0"/>
               <a:t>; };</a:t>
             </a:r>
-            <a:endParaRPr lang="en-US" dirty="0" smtClean="0"/>
           </a:p>
         </p:txBody>
       </p:sp>
@@ -6543,14 +6383,14 @@
           <a:p>
             <a:pPr algn="ctr"/>
             <a:r>
-              <a:rPr lang="en-US" dirty="0" err="1" smtClean="0"/>
+              <a:rPr lang="en-US" dirty="0" err="1"/>
               <a:t>CConfiguration</a:t>
             </a:r>
-            <a:endParaRPr lang="en-US" dirty="0" smtClean="0"/>
+            <a:endParaRPr lang="en-US" dirty="0"/>
           </a:p>
           <a:p>
             <a:pPr algn="ctr"/>
-            <a:endParaRPr lang="en-US" dirty="0" smtClean="0"/>
+            <a:endParaRPr lang="en-US" dirty="0"/>
           </a:p>
           <a:p>
             <a:pPr algn="ctr"/>
@@ -6572,11 +6412,7 @@
             </a:r>
             <a:r>
               <a:rPr lang="en-US" dirty="0"/>
-              <a:t> const&amp; </a:t>
-            </a:r>
-            <a:r>
-              <a:rPr lang="en-US" dirty="0" smtClean="0"/>
-              <a:t>)</a:t>
+              <a:t> const&amp; )</a:t>
             </a:r>
           </a:p>
           <a:p>
@@ -6595,11 +6431,7 @@
             </a:r>
             <a:r>
               <a:rPr lang="en-US" dirty="0"/>
-              <a:t>() </a:t>
-            </a:r>
-            <a:r>
-              <a:rPr lang="en-US" dirty="0" smtClean="0"/>
-              <a:t>const</a:t>
+              <a:t>() const</a:t>
             </a:r>
           </a:p>
           <a:p>
@@ -6622,11 +6454,7 @@
             </a:r>
             <a:r>
               <a:rPr lang="en-US" dirty="0"/>
-              <a:t> const&amp; </a:t>
-            </a:r>
-            <a:r>
-              <a:rPr lang="en-US" dirty="0" smtClean="0"/>
-              <a:t>)</a:t>
+              <a:t> const&amp; )</a:t>
             </a:r>
           </a:p>
           <a:p>
@@ -6645,11 +6473,7 @@
             </a:r>
             <a:r>
               <a:rPr lang="en-US" dirty="0"/>
-              <a:t>() </a:t>
-            </a:r>
-            <a:r>
-              <a:rPr lang="en-US" dirty="0" smtClean="0"/>
-              <a:t>const</a:t>
+              <a:t>() const</a:t>
             </a:r>
           </a:p>
           <a:p>
@@ -6672,17 +6496,109 @@
             </a:r>
             <a:r>
               <a:rPr lang="en-US" dirty="0"/>
+              <a:t> )</a:t>
+            </a:r>
+          </a:p>
+          <a:p>
+            <a:pPr algn="ctr"/>
+            <a:r>
+              <a:rPr lang="en-US" dirty="0" err="1"/>
+              <a:t>int</a:t>
+            </a:r>
+            <a:r>
+              <a:rPr lang="en-US" dirty="0"/>
               <a:t> </a:t>
             </a:r>
             <a:r>
-              <a:rPr lang="en-US" dirty="0" smtClean="0"/>
-              <a:t>)</a:t>
+              <a:rPr lang="en-US" dirty="0" err="1"/>
+              <a:t>getVersion</a:t>
+            </a:r>
+            <a:r>
+              <a:rPr lang="en-US" dirty="0"/>
+              <a:t>() const</a:t>
             </a:r>
           </a:p>
           <a:p>
             <a:pPr algn="ctr"/>
             <a:r>
               <a:rPr lang="en-US" dirty="0" err="1"/>
+              <a:t>bool</a:t>
+            </a:r>
+            <a:r>
+              <a:rPr lang="en-US" dirty="0"/>
+              <a:t> </a:t>
+            </a:r>
+            <a:r>
+              <a:rPr lang="en-US" dirty="0" err="1"/>
+              <a:t>isValid</a:t>
+            </a:r>
+            <a:r>
+              <a:rPr lang="en-US" dirty="0"/>
+              <a:t>() const</a:t>
+            </a:r>
+          </a:p>
+          <a:p>
+            <a:pPr algn="ctr"/>
+            <a:r>
+              <a:rPr lang="en-US" dirty="0"/>
+              <a:t>void </a:t>
+            </a:r>
+            <a:r>
+              <a:rPr lang="en-US" dirty="0" err="1"/>
+              <a:t>setParameter</a:t>
+            </a:r>
+            <a:r>
+              <a:rPr lang="en-US" dirty="0"/>
+              <a:t>(</a:t>
+            </a:r>
+            <a:r>
+              <a:rPr lang="en-US" dirty="0" err="1"/>
+              <a:t>QString</a:t>
+            </a:r>
+            <a:r>
+              <a:rPr lang="en-US" dirty="0"/>
+              <a:t> const&amp; , const </a:t>
+            </a:r>
+            <a:r>
+              <a:rPr lang="en-US" dirty="0" err="1"/>
+              <a:t>QVariant</a:t>
+            </a:r>
+            <a:r>
+              <a:rPr lang="en-US" dirty="0"/>
+              <a:t> )</a:t>
+            </a:r>
+          </a:p>
+          <a:p>
+            <a:pPr algn="ctr"/>
+            <a:r>
+              <a:rPr lang="en-US" dirty="0" err="1"/>
+              <a:t>QVariant</a:t>
+            </a:r>
+            <a:r>
+              <a:rPr lang="en-US" dirty="0"/>
+              <a:t> </a:t>
+            </a:r>
+            <a:r>
+              <a:rPr lang="en-US" dirty="0" err="1"/>
+              <a:t>getParameter</a:t>
+            </a:r>
+            <a:r>
+              <a:rPr lang="en-US" dirty="0"/>
+              <a:t>(</a:t>
+            </a:r>
+            <a:r>
+              <a:rPr lang="en-US" dirty="0" err="1"/>
+              <a:t>QString</a:t>
+            </a:r>
+            <a:r>
+              <a:rPr lang="en-US" dirty="0"/>
+              <a:t> const&amp; ) const</a:t>
+            </a:r>
+          </a:p>
+          <a:p>
+            <a:pPr algn="ctr"/>
+            <a:r>
+              <a:rPr lang="en-US" dirty="0" err="1"/>
               <a:t>int</a:t>
             </a:r>
             <a:r>
@@ -6691,15 +6607,11 @@
             </a:r>
             <a:r>
               <a:rPr lang="en-US" dirty="0" err="1"/>
-              <a:t>getVersion</a:t>
-            </a:r>
-            <a:r>
-              <a:rPr lang="en-US" dirty="0"/>
-              <a:t>() </a:t>
-            </a:r>
-            <a:r>
-              <a:rPr lang="en-US" dirty="0" smtClean="0"/>
-              <a:t>const</a:t>
+              <a:t>getParamCount</a:t>
+            </a:r>
+            <a:r>
+              <a:rPr lang="en-US" dirty="0"/>
+              <a:t>() const; </a:t>
             </a:r>
           </a:p>
           <a:p>
@@ -6714,30 +6626,71 @@
             </a:r>
             <a:r>
               <a:rPr lang="en-US" dirty="0" err="1"/>
-              <a:t>isValid</a:t>
-            </a:r>
-            <a:r>
-              <a:rPr lang="en-US" dirty="0"/>
-              <a:t>() </a:t>
-            </a:r>
-            <a:r>
-              <a:rPr lang="en-US" dirty="0" smtClean="0"/>
-              <a:t>const</a:t>
+              <a:t>isEmpty</a:t>
+            </a:r>
+            <a:r>
+              <a:rPr lang="en-US" dirty="0"/>
+              <a:t>() const;</a:t>
             </a:r>
           </a:p>
           <a:p>
             <a:pPr algn="ctr"/>
             <a:r>
               <a:rPr lang="en-US" dirty="0"/>
+              <a:t> </a:t>
+            </a:r>
+            <a:r>
+              <a:rPr lang="en-US" dirty="0" err="1"/>
+              <a:t>bool</a:t>
+            </a:r>
+            <a:r>
+              <a:rPr lang="en-US" dirty="0"/>
+              <a:t> </a:t>
+            </a:r>
+            <a:r>
+              <a:rPr lang="en-US" dirty="0" err="1"/>
+              <a:t>isContained</a:t>
+            </a:r>
+            <a:r>
+              <a:rPr lang="en-US" dirty="0"/>
+              <a:t>(</a:t>
+            </a:r>
+            <a:r>
+              <a:rPr lang="en-US" dirty="0" err="1"/>
+              <a:t>QString</a:t>
+            </a:r>
+            <a:r>
+              <a:rPr lang="en-US" dirty="0"/>
+              <a:t> const&amp; ) const</a:t>
+            </a:r>
+          </a:p>
+          <a:p>
+            <a:pPr algn="ctr"/>
+            <a:r>
+              <a:rPr lang="en-US" dirty="0"/>
               <a:t>void </a:t>
             </a:r>
             <a:r>
               <a:rPr lang="en-US" dirty="0" err="1"/>
-              <a:t>setParameter</a:t>
-            </a:r>
-            <a:r>
-              <a:rPr lang="en-US" dirty="0"/>
-              <a:t>(</a:t>
+              <a:t>clearParameters</a:t>
+            </a:r>
+            <a:r>
+              <a:rPr lang="en-US" dirty="0"/>
+              <a:t>()</a:t>
+            </a:r>
+          </a:p>
+          <a:p>
+            <a:pPr algn="ctr"/>
+            <a:r>
+              <a:rPr lang="en-US" dirty="0"/>
+              <a:t>void reset()</a:t>
+            </a:r>
+          </a:p>
+          <a:p>
+            <a:pPr algn="ctr"/>
+            <a:r>
+              <a:rPr lang="en-US" dirty="0"/>
+              <a:t>void load(</a:t>
             </a:r>
             <a:r>
               <a:rPr lang="en-US" dirty="0" err="1"/>
@@ -6745,42 +6698,14 @@
             </a:r>
             <a:r>
               <a:rPr lang="en-US" dirty="0"/>
-              <a:t> const&amp; </a:t>
-            </a:r>
-            <a:r>
-              <a:rPr lang="en-US" dirty="0" smtClean="0"/>
-              <a:t>, </a:t>
-            </a:r>
-            <a:r>
-              <a:rPr lang="en-US" dirty="0"/>
-              <a:t>const </a:t>
-            </a:r>
-            <a:r>
-              <a:rPr lang="en-US" dirty="0" err="1" smtClean="0"/>
-              <a:t>QVariant</a:t>
-            </a:r>
-            <a:r>
-              <a:rPr lang="en-US" dirty="0" smtClean="0"/>
-              <a:t> )</a:t>
+              <a:t> const&amp; )</a:t>
             </a:r>
           </a:p>
           <a:p>
             <a:pPr algn="ctr"/>
             <a:r>
-              <a:rPr lang="en-US" dirty="0" err="1"/>
-              <a:t>QVariant</a:t>
-            </a:r>
-            <a:r>
-              <a:rPr lang="en-US" dirty="0"/>
-              <a:t> </a:t>
-            </a:r>
-            <a:r>
-              <a:rPr lang="en-US" dirty="0" err="1"/>
-              <a:t>getParameter</a:t>
-            </a:r>
-            <a:r>
-              <a:rPr lang="en-US" dirty="0"/>
-              <a:t>(</a:t>
+              <a:rPr lang="en-US" dirty="0"/>
+              <a:t>void save(</a:t>
             </a:r>
             <a:r>
               <a:rPr lang="en-US" dirty="0" err="1"/>
@@ -6788,166 +6713,12 @@
             </a:r>
             <a:r>
               <a:rPr lang="en-US" dirty="0"/>
-              <a:t> const&amp; </a:t>
-            </a:r>
-            <a:r>
-              <a:rPr lang="en-US" dirty="0" smtClean="0"/>
-              <a:t>) const</a:t>
+              <a:t> const&amp; ) const</a:t>
             </a:r>
           </a:p>
           <a:p>
             <a:pPr algn="ctr"/>
-            <a:r>
-              <a:rPr lang="en-US" dirty="0" err="1"/>
-              <a:t>int</a:t>
-            </a:r>
-            <a:r>
-              <a:rPr lang="en-US" dirty="0"/>
-              <a:t> </a:t>
-            </a:r>
-            <a:r>
-              <a:rPr lang="en-US" dirty="0" err="1"/>
-              <a:t>getParamCount</a:t>
-            </a:r>
-            <a:r>
-              <a:rPr lang="en-US" dirty="0"/>
-              <a:t>() </a:t>
-            </a:r>
-            <a:r>
-              <a:rPr lang="en-US" dirty="0" smtClean="0"/>
-              <a:t>const; </a:t>
-            </a:r>
-          </a:p>
-          <a:p>
-            <a:pPr algn="ctr"/>
-            <a:r>
-              <a:rPr lang="en-US" dirty="0" err="1" smtClean="0"/>
-              <a:t>bool</a:t>
-            </a:r>
-            <a:r>
-              <a:rPr lang="en-US" dirty="0" smtClean="0"/>
-              <a:t> </a:t>
-            </a:r>
-            <a:r>
-              <a:rPr lang="en-US" dirty="0" err="1"/>
-              <a:t>isEmpty</a:t>
-            </a:r>
-            <a:r>
-              <a:rPr lang="en-US" dirty="0"/>
-              <a:t>() const</a:t>
-            </a:r>
-            <a:r>
-              <a:rPr lang="en-US" dirty="0" smtClean="0"/>
-              <a:t>;</a:t>
-            </a:r>
-          </a:p>
-          <a:p>
-            <a:pPr algn="ctr"/>
-            <a:r>
-              <a:rPr lang="en-US" dirty="0" smtClean="0"/>
-              <a:t> </a:t>
-            </a:r>
-            <a:r>
-              <a:rPr lang="en-US" dirty="0" err="1"/>
-              <a:t>bool</a:t>
-            </a:r>
-            <a:r>
-              <a:rPr lang="en-US" dirty="0"/>
-              <a:t> </a:t>
-            </a:r>
-            <a:r>
-              <a:rPr lang="en-US" dirty="0" err="1"/>
-              <a:t>isContained</a:t>
-            </a:r>
-            <a:r>
-              <a:rPr lang="en-US" dirty="0"/>
-              <a:t>(</a:t>
-            </a:r>
-            <a:r>
-              <a:rPr lang="en-US" dirty="0" err="1"/>
-              <a:t>QString</a:t>
-            </a:r>
-            <a:r>
-              <a:rPr lang="en-US" dirty="0"/>
-              <a:t> const&amp; </a:t>
-            </a:r>
-            <a:r>
-              <a:rPr lang="en-US" dirty="0" smtClean="0"/>
-              <a:t>) const</a:t>
-            </a:r>
-          </a:p>
-          <a:p>
-            <a:pPr algn="ctr"/>
-            <a:r>
-              <a:rPr lang="en-US" dirty="0"/>
-              <a:t>void </a:t>
-            </a:r>
-            <a:r>
-              <a:rPr lang="en-US" dirty="0" err="1"/>
-              <a:t>clearParameters</a:t>
-            </a:r>
-            <a:r>
-              <a:rPr lang="en-US" dirty="0" smtClean="0"/>
-              <a:t>()</a:t>
-            </a:r>
-          </a:p>
-          <a:p>
-            <a:pPr algn="ctr"/>
-            <a:r>
-              <a:rPr lang="en-US" dirty="0"/>
-              <a:t>void reset</a:t>
-            </a:r>
-            <a:r>
-              <a:rPr lang="en-US" dirty="0" smtClean="0"/>
-              <a:t>()</a:t>
-            </a:r>
-          </a:p>
-          <a:p>
-            <a:pPr algn="ctr"/>
-            <a:r>
-              <a:rPr lang="en-US" dirty="0"/>
-              <a:t>void load(</a:t>
-            </a:r>
-            <a:r>
-              <a:rPr lang="en-US" dirty="0" err="1"/>
-              <a:t>QString</a:t>
-            </a:r>
-            <a:r>
-              <a:rPr lang="en-US" dirty="0"/>
-              <a:t> const&amp; </a:t>
-            </a:r>
-            <a:r>
-              <a:rPr lang="en-US" dirty="0" smtClean="0"/>
-              <a:t>)</a:t>
-            </a:r>
-          </a:p>
-          <a:p>
-            <a:pPr algn="ctr"/>
-            <a:r>
-              <a:rPr lang="en-US" dirty="0"/>
-              <a:t>void save(</a:t>
-            </a:r>
-            <a:r>
-              <a:rPr lang="en-US" dirty="0" err="1"/>
-              <a:t>QString</a:t>
-            </a:r>
-            <a:r>
-              <a:rPr lang="en-US" dirty="0"/>
-              <a:t> const&amp; </a:t>
-            </a:r>
-            <a:r>
-              <a:rPr lang="en-US" dirty="0" smtClean="0"/>
-              <a:t>) </a:t>
-            </a:r>
-            <a:r>
-              <a:rPr lang="en-US" dirty="0"/>
-              <a:t>const</a:t>
-            </a:r>
-            <a:endParaRPr lang="en-US" dirty="0" smtClean="0"/>
-          </a:p>
-          <a:p>
-            <a:pPr algn="ctr"/>
-            <a:endParaRPr lang="en-US" dirty="0" smtClean="0"/>
+            <a:endParaRPr lang="en-US" dirty="0"/>
           </a:p>
         </p:txBody>
       </p:sp>
@@ -6982,6 +6753,126 @@
         </p:style>
       </p:cxnSp>
     </p:spTree>
+  </p:cSld>
+  <p:clrMapOvr>
+    <a:masterClrMapping/>
+  </p:clrMapOvr>
+</p:sld>
+</file>
+
+<file path=ppt/slides/slide7.xml><?xml version="1.0" encoding="utf-8"?>
+<p:sld xmlns:a="http://schemas.openxmlformats.org/drawingml/2006/main" xmlns:r="http://schemas.openxmlformats.org/officeDocument/2006/relationships" xmlns:p="http://schemas.openxmlformats.org/presentationml/2006/main">
+  <p:cSld>
+    <p:spTree>
+      <p:nvGrpSpPr>
+        <p:cNvPr id="1" name=""/>
+        <p:cNvGrpSpPr/>
+        <p:nvPr/>
+      </p:nvGrpSpPr>
+      <p:grpSpPr>
+        <a:xfrm>
+          <a:off x="0" y="0"/>
+          <a:ext cx="0" cy="0"/>
+          <a:chOff x="0" y="0"/>
+          <a:chExt cx="0" cy="0"/>
+        </a:xfrm>
+      </p:grpSpPr>
+      <p:pic>
+        <p:nvPicPr>
+          <p:cNvPr id="4" name="Picture 3"/>
+          <p:cNvPicPr>
+            <a:picLocks noChangeAspect="1"/>
+          </p:cNvPicPr>
+          <p:nvPr/>
+        </p:nvPicPr>
+        <p:blipFill>
+          <a:blip r:embed="rId2">
+            <a:extLst>
+              <a:ext uri="{28A0092B-C50C-407E-A947-70E740481C1C}">
+                <a14:useLocalDpi xmlns:a14="http://schemas.microsoft.com/office/drawing/2010/main" val="0"/>
+              </a:ext>
+            </a:extLst>
+          </a:blip>
+          <a:stretch>
+            <a:fillRect/>
+          </a:stretch>
+        </p:blipFill>
+        <p:spPr>
+          <a:xfrm>
+            <a:off x="1066800" y="1143000"/>
+            <a:ext cx="6934200" cy="3029373"/>
+          </a:xfrm>
+          <a:prstGeom prst="rect">
+            <a:avLst/>
+          </a:prstGeom>
+        </p:spPr>
+      </p:pic>
+    </p:spTree>
+    <p:extLst>
+      <p:ext uri="{BB962C8B-B14F-4D97-AF65-F5344CB8AC3E}">
+        <p14:creationId xmlns:p14="http://schemas.microsoft.com/office/powerpoint/2010/main" val="2299407873"/>
+      </p:ext>
+    </p:extLst>
+  </p:cSld>
+  <p:clrMapOvr>
+    <a:masterClrMapping/>
+  </p:clrMapOvr>
+</p:sld>
+</file>
+
+<file path=ppt/slides/slide8.xml><?xml version="1.0" encoding="utf-8"?>
+<p:sld xmlns:a="http://schemas.openxmlformats.org/drawingml/2006/main" xmlns:r="http://schemas.openxmlformats.org/officeDocument/2006/relationships" xmlns:p="http://schemas.openxmlformats.org/presentationml/2006/main">
+  <p:cSld>
+    <p:spTree>
+      <p:nvGrpSpPr>
+        <p:cNvPr id="1" name=""/>
+        <p:cNvGrpSpPr/>
+        <p:nvPr/>
+      </p:nvGrpSpPr>
+      <p:grpSpPr>
+        <a:xfrm>
+          <a:off x="0" y="0"/>
+          <a:ext cx="0" cy="0"/>
+          <a:chOff x="0" y="0"/>
+          <a:chExt cx="0" cy="0"/>
+        </a:xfrm>
+      </p:grpSpPr>
+      <p:pic>
+        <p:nvPicPr>
+          <p:cNvPr id="2" name="Picture 1"/>
+          <p:cNvPicPr>
+            <a:picLocks noChangeAspect="1"/>
+          </p:cNvPicPr>
+          <p:nvPr/>
+        </p:nvPicPr>
+        <p:blipFill>
+          <a:blip r:embed="rId2">
+            <a:extLst>
+              <a:ext uri="{28A0092B-C50C-407E-A947-70E740481C1C}">
+                <a14:useLocalDpi xmlns:a14="http://schemas.microsoft.com/office/drawing/2010/main" val="0"/>
+              </a:ext>
+            </a:extLst>
+          </a:blip>
+          <a:stretch>
+            <a:fillRect/>
+          </a:stretch>
+        </p:blipFill>
+        <p:spPr>
+          <a:xfrm>
+            <a:off x="990600" y="1600200"/>
+            <a:ext cx="6400799" cy="3657600"/>
+          </a:xfrm>
+          <a:prstGeom prst="rect">
+            <a:avLst/>
+          </a:prstGeom>
+        </p:spPr>
+      </p:pic>
+    </p:spTree>
+    <p:extLst>
+      <p:ext uri="{BB962C8B-B14F-4D97-AF65-F5344CB8AC3E}">
+        <p14:creationId xmlns:p14="http://schemas.microsoft.com/office/powerpoint/2010/main" val="2623958097"/>
+      </p:ext>
+    </p:extLst>
   </p:cSld>
   <p:clrMapOvr>
     <a:masterClrMapping/>
